--- a/ppt 16-9/0709.我作工我祈祷.pptx
+++ b/ppt 16-9/0709.我作工我祈祷.pptx
@@ -129,7 +129,7 @@
           <p:cNvPr id="2" name="标题 1">
             <a:extLst>
               <a:ext uri="{FF2B5EF4-FFF2-40B4-BE49-F238E27FC236}">
-                <a16:creationId xmlns:a16="http://schemas.microsoft.com/office/drawing/2014/main" id="{3E2F9557-53F1-ED14-8E7A-0106B25C4707}"/>
+                <a16:creationId xmlns:a16="http://schemas.microsoft.com/office/drawing/2014/main" id="{1C29F405-0F5B-32C8-6932-2BB502D755F3}"/>
               </a:ext>
             </a:extLst>
           </p:cNvPr>
@@ -166,7 +166,7 @@
           <p:cNvPr id="3" name="副标题 2">
             <a:extLst>
               <a:ext uri="{FF2B5EF4-FFF2-40B4-BE49-F238E27FC236}">
-                <a16:creationId xmlns:a16="http://schemas.microsoft.com/office/drawing/2014/main" id="{A42C8D1B-AAD3-0E5F-7440-017192420EA7}"/>
+                <a16:creationId xmlns:a16="http://schemas.microsoft.com/office/drawing/2014/main" id="{2AB5DECF-A589-9C06-311A-8DC59FC397FF}"/>
               </a:ext>
             </a:extLst>
           </p:cNvPr>
@@ -236,7 +236,7 @@
           <p:cNvPr id="4" name="日期占位符 3">
             <a:extLst>
               <a:ext uri="{FF2B5EF4-FFF2-40B4-BE49-F238E27FC236}">
-                <a16:creationId xmlns:a16="http://schemas.microsoft.com/office/drawing/2014/main" id="{0F6FA24E-CE27-649B-4070-C2F99E4EAE07}"/>
+                <a16:creationId xmlns:a16="http://schemas.microsoft.com/office/drawing/2014/main" id="{03C9DE01-A9A0-9AA0-E216-B978313BCC76}"/>
               </a:ext>
             </a:extLst>
           </p:cNvPr>
@@ -252,7 +252,7 @@
           <a:bodyPr/>
           <a:lstStyle/>
           <a:p>
-            <a:fld id="{D9684BA7-BCB3-4EE6-AAEE-FAB1951669C2}" type="datetimeFigureOut">
+            <a:fld id="{A0A25420-AA80-4824-92BB-0224204BB005}" type="datetimeFigureOut">
               <a:rPr lang="zh-CN" altLang="en-US" smtClean="0"/>
               <a:t>2024/3/10</a:t>
             </a:fld>
@@ -265,7 +265,7 @@
           <p:cNvPr id="5" name="页脚占位符 4">
             <a:extLst>
               <a:ext uri="{FF2B5EF4-FFF2-40B4-BE49-F238E27FC236}">
-                <a16:creationId xmlns:a16="http://schemas.microsoft.com/office/drawing/2014/main" id="{5D68190A-9EED-9835-78CC-CDCE8C59625F}"/>
+                <a16:creationId xmlns:a16="http://schemas.microsoft.com/office/drawing/2014/main" id="{68434E05-D1EF-926E-B513-7D85ECC3F81C}"/>
               </a:ext>
             </a:extLst>
           </p:cNvPr>
@@ -290,7 +290,7 @@
           <p:cNvPr id="6" name="灯片编号占位符 5">
             <a:extLst>
               <a:ext uri="{FF2B5EF4-FFF2-40B4-BE49-F238E27FC236}">
-                <a16:creationId xmlns:a16="http://schemas.microsoft.com/office/drawing/2014/main" id="{618073E8-F017-C74A-4649-668096DDA2EA}"/>
+                <a16:creationId xmlns:a16="http://schemas.microsoft.com/office/drawing/2014/main" id="{FADE27F7-5F02-2B15-8ED8-D0EF601F4EB7}"/>
               </a:ext>
             </a:extLst>
           </p:cNvPr>
@@ -306,7 +306,7 @@
           <a:bodyPr/>
           <a:lstStyle/>
           <a:p>
-            <a:fld id="{49A398E1-5077-45FE-866E-5B9ED3F326DA}" type="slidenum">
+            <a:fld id="{2003D758-F1CD-4066-90B2-11AF169C9CB4}" type="slidenum">
               <a:rPr lang="zh-CN" altLang="en-US" smtClean="0"/>
               <a:t>‹#›</a:t>
             </a:fld>
@@ -317,7 +317,7 @@
     </p:spTree>
     <p:extLst>
       <p:ext uri="{BB962C8B-B14F-4D97-AF65-F5344CB8AC3E}">
-        <p14:creationId xmlns:p14="http://schemas.microsoft.com/office/powerpoint/2010/main" val="1812125050"/>
+        <p14:creationId xmlns:p14="http://schemas.microsoft.com/office/powerpoint/2010/main" val="363022730"/>
       </p:ext>
     </p:extLst>
   </p:cSld>
@@ -349,7 +349,7 @@
           <p:cNvPr id="2" name="标题 1">
             <a:extLst>
               <a:ext uri="{FF2B5EF4-FFF2-40B4-BE49-F238E27FC236}">
-                <a16:creationId xmlns:a16="http://schemas.microsoft.com/office/drawing/2014/main" id="{0E7AC3FD-17D0-21DF-D932-A8D06555DCD0}"/>
+                <a16:creationId xmlns:a16="http://schemas.microsoft.com/office/drawing/2014/main" id="{66BA697C-E1E7-3299-560B-D0942834F6DD}"/>
               </a:ext>
             </a:extLst>
           </p:cNvPr>
@@ -377,7 +377,7 @@
           <p:cNvPr id="3" name="竖排文字占位符 2">
             <a:extLst>
               <a:ext uri="{FF2B5EF4-FFF2-40B4-BE49-F238E27FC236}">
-                <a16:creationId xmlns:a16="http://schemas.microsoft.com/office/drawing/2014/main" id="{B9DB48D2-116E-EA46-BD74-FA24769E11CF}"/>
+                <a16:creationId xmlns:a16="http://schemas.microsoft.com/office/drawing/2014/main" id="{836A35C4-1CA3-D570-2A77-33337AF03739}"/>
               </a:ext>
             </a:extLst>
           </p:cNvPr>
@@ -434,7 +434,7 @@
           <p:cNvPr id="4" name="日期占位符 3">
             <a:extLst>
               <a:ext uri="{FF2B5EF4-FFF2-40B4-BE49-F238E27FC236}">
-                <a16:creationId xmlns:a16="http://schemas.microsoft.com/office/drawing/2014/main" id="{F73668B5-64EA-D6C1-0492-92CC89209641}"/>
+                <a16:creationId xmlns:a16="http://schemas.microsoft.com/office/drawing/2014/main" id="{D8995921-36D8-F19C-7368-FE2D5E42F2F5}"/>
               </a:ext>
             </a:extLst>
           </p:cNvPr>
@@ -450,7 +450,7 @@
           <a:bodyPr/>
           <a:lstStyle/>
           <a:p>
-            <a:fld id="{D9684BA7-BCB3-4EE6-AAEE-FAB1951669C2}" type="datetimeFigureOut">
+            <a:fld id="{A0A25420-AA80-4824-92BB-0224204BB005}" type="datetimeFigureOut">
               <a:rPr lang="zh-CN" altLang="en-US" smtClean="0"/>
               <a:t>2024/3/10</a:t>
             </a:fld>
@@ -463,7 +463,7 @@
           <p:cNvPr id="5" name="页脚占位符 4">
             <a:extLst>
               <a:ext uri="{FF2B5EF4-FFF2-40B4-BE49-F238E27FC236}">
-                <a16:creationId xmlns:a16="http://schemas.microsoft.com/office/drawing/2014/main" id="{BF3419BC-DD4F-3D63-30E7-F4E03DBCF739}"/>
+                <a16:creationId xmlns:a16="http://schemas.microsoft.com/office/drawing/2014/main" id="{F6978E91-08B5-606D-F181-20D45F25365D}"/>
               </a:ext>
             </a:extLst>
           </p:cNvPr>
@@ -488,7 +488,7 @@
           <p:cNvPr id="6" name="灯片编号占位符 5">
             <a:extLst>
               <a:ext uri="{FF2B5EF4-FFF2-40B4-BE49-F238E27FC236}">
-                <a16:creationId xmlns:a16="http://schemas.microsoft.com/office/drawing/2014/main" id="{27E659CA-BBBC-A08F-F012-5C9A366A5627}"/>
+                <a16:creationId xmlns:a16="http://schemas.microsoft.com/office/drawing/2014/main" id="{8866AC0F-415A-E557-164B-D1FD8BE243DB}"/>
               </a:ext>
             </a:extLst>
           </p:cNvPr>
@@ -504,7 +504,7 @@
           <a:bodyPr/>
           <a:lstStyle/>
           <a:p>
-            <a:fld id="{49A398E1-5077-45FE-866E-5B9ED3F326DA}" type="slidenum">
+            <a:fld id="{2003D758-F1CD-4066-90B2-11AF169C9CB4}" type="slidenum">
               <a:rPr lang="zh-CN" altLang="en-US" smtClean="0"/>
               <a:t>‹#›</a:t>
             </a:fld>
@@ -515,7 +515,7 @@
     </p:spTree>
     <p:extLst>
       <p:ext uri="{BB962C8B-B14F-4D97-AF65-F5344CB8AC3E}">
-        <p14:creationId xmlns:p14="http://schemas.microsoft.com/office/powerpoint/2010/main" val="2806412762"/>
+        <p14:creationId xmlns:p14="http://schemas.microsoft.com/office/powerpoint/2010/main" val="3997303298"/>
       </p:ext>
     </p:extLst>
   </p:cSld>
@@ -547,7 +547,7 @@
           <p:cNvPr id="2" name="竖排标题 1">
             <a:extLst>
               <a:ext uri="{FF2B5EF4-FFF2-40B4-BE49-F238E27FC236}">
-                <a16:creationId xmlns:a16="http://schemas.microsoft.com/office/drawing/2014/main" id="{850ABD98-91A4-AA36-BC83-B3A0A2963074}"/>
+                <a16:creationId xmlns:a16="http://schemas.microsoft.com/office/drawing/2014/main" id="{1B29FA30-D2B4-2627-3F84-3A3D44110642}"/>
               </a:ext>
             </a:extLst>
           </p:cNvPr>
@@ -580,7 +580,7 @@
           <p:cNvPr id="3" name="竖排文字占位符 2">
             <a:extLst>
               <a:ext uri="{FF2B5EF4-FFF2-40B4-BE49-F238E27FC236}">
-                <a16:creationId xmlns:a16="http://schemas.microsoft.com/office/drawing/2014/main" id="{0B5336A6-5B25-F272-9DE2-FA18FAB40BFB}"/>
+                <a16:creationId xmlns:a16="http://schemas.microsoft.com/office/drawing/2014/main" id="{C80F5EEC-0C2B-E88C-4060-D6272C24DED6}"/>
               </a:ext>
             </a:extLst>
           </p:cNvPr>
@@ -642,7 +642,7 @@
           <p:cNvPr id="4" name="日期占位符 3">
             <a:extLst>
               <a:ext uri="{FF2B5EF4-FFF2-40B4-BE49-F238E27FC236}">
-                <a16:creationId xmlns:a16="http://schemas.microsoft.com/office/drawing/2014/main" id="{F9EB9C0F-6BAC-8FF2-765D-CFD95CAA94E0}"/>
+                <a16:creationId xmlns:a16="http://schemas.microsoft.com/office/drawing/2014/main" id="{1AE7824D-D06D-C29A-E7EF-5C95D697B18E}"/>
               </a:ext>
             </a:extLst>
           </p:cNvPr>
@@ -658,7 +658,7 @@
           <a:bodyPr/>
           <a:lstStyle/>
           <a:p>
-            <a:fld id="{D9684BA7-BCB3-4EE6-AAEE-FAB1951669C2}" type="datetimeFigureOut">
+            <a:fld id="{A0A25420-AA80-4824-92BB-0224204BB005}" type="datetimeFigureOut">
               <a:rPr lang="zh-CN" altLang="en-US" smtClean="0"/>
               <a:t>2024/3/10</a:t>
             </a:fld>
@@ -671,7 +671,7 @@
           <p:cNvPr id="5" name="页脚占位符 4">
             <a:extLst>
               <a:ext uri="{FF2B5EF4-FFF2-40B4-BE49-F238E27FC236}">
-                <a16:creationId xmlns:a16="http://schemas.microsoft.com/office/drawing/2014/main" id="{F91A4562-96EC-7D57-654E-BBB3CB1CDDF1}"/>
+                <a16:creationId xmlns:a16="http://schemas.microsoft.com/office/drawing/2014/main" id="{435A762A-7BBD-4215-A035-56A639FFBC94}"/>
               </a:ext>
             </a:extLst>
           </p:cNvPr>
@@ -696,7 +696,7 @@
           <p:cNvPr id="6" name="灯片编号占位符 5">
             <a:extLst>
               <a:ext uri="{FF2B5EF4-FFF2-40B4-BE49-F238E27FC236}">
-                <a16:creationId xmlns:a16="http://schemas.microsoft.com/office/drawing/2014/main" id="{A7F95A1A-EB55-659F-C33B-488ECA873098}"/>
+                <a16:creationId xmlns:a16="http://schemas.microsoft.com/office/drawing/2014/main" id="{E5E02D61-D31E-D88B-9D76-FBB689B9F3B5}"/>
               </a:ext>
             </a:extLst>
           </p:cNvPr>
@@ -712,7 +712,7 @@
           <a:bodyPr/>
           <a:lstStyle/>
           <a:p>
-            <a:fld id="{49A398E1-5077-45FE-866E-5B9ED3F326DA}" type="slidenum">
+            <a:fld id="{2003D758-F1CD-4066-90B2-11AF169C9CB4}" type="slidenum">
               <a:rPr lang="zh-CN" altLang="en-US" smtClean="0"/>
               <a:t>‹#›</a:t>
             </a:fld>
@@ -723,7 +723,7 @@
     </p:spTree>
     <p:extLst>
       <p:ext uri="{BB962C8B-B14F-4D97-AF65-F5344CB8AC3E}">
-        <p14:creationId xmlns:p14="http://schemas.microsoft.com/office/powerpoint/2010/main" val="414918616"/>
+        <p14:creationId xmlns:p14="http://schemas.microsoft.com/office/powerpoint/2010/main" val="1489259088"/>
       </p:ext>
     </p:extLst>
   </p:cSld>
@@ -755,7 +755,7 @@
           <p:cNvPr id="2" name="标题 1">
             <a:extLst>
               <a:ext uri="{FF2B5EF4-FFF2-40B4-BE49-F238E27FC236}">
-                <a16:creationId xmlns:a16="http://schemas.microsoft.com/office/drawing/2014/main" id="{6653D5F6-9419-A19C-588A-658A4FAD756C}"/>
+                <a16:creationId xmlns:a16="http://schemas.microsoft.com/office/drawing/2014/main" id="{2F8AF69A-616B-06C2-87A6-E72193F130C8}"/>
               </a:ext>
             </a:extLst>
           </p:cNvPr>
@@ -783,7 +783,7 @@
           <p:cNvPr id="3" name="内容占位符 2">
             <a:extLst>
               <a:ext uri="{FF2B5EF4-FFF2-40B4-BE49-F238E27FC236}">
-                <a16:creationId xmlns:a16="http://schemas.microsoft.com/office/drawing/2014/main" id="{45BABFF6-35D1-748A-99D7-16F4133BF84A}"/>
+                <a16:creationId xmlns:a16="http://schemas.microsoft.com/office/drawing/2014/main" id="{7591C1B0-C279-0CFA-714B-F2DC02B3F1FB}"/>
               </a:ext>
             </a:extLst>
           </p:cNvPr>
@@ -840,7 +840,7 @@
           <p:cNvPr id="4" name="日期占位符 3">
             <a:extLst>
               <a:ext uri="{FF2B5EF4-FFF2-40B4-BE49-F238E27FC236}">
-                <a16:creationId xmlns:a16="http://schemas.microsoft.com/office/drawing/2014/main" id="{58472E9F-E54C-93EB-80CC-2593F9A153F3}"/>
+                <a16:creationId xmlns:a16="http://schemas.microsoft.com/office/drawing/2014/main" id="{028DA6F8-E585-FD12-C895-6E95503B4FE2}"/>
               </a:ext>
             </a:extLst>
           </p:cNvPr>
@@ -856,7 +856,7 @@
           <a:bodyPr/>
           <a:lstStyle/>
           <a:p>
-            <a:fld id="{D9684BA7-BCB3-4EE6-AAEE-FAB1951669C2}" type="datetimeFigureOut">
+            <a:fld id="{A0A25420-AA80-4824-92BB-0224204BB005}" type="datetimeFigureOut">
               <a:rPr lang="zh-CN" altLang="en-US" smtClean="0"/>
               <a:t>2024/3/10</a:t>
             </a:fld>
@@ -869,7 +869,7 @@
           <p:cNvPr id="5" name="页脚占位符 4">
             <a:extLst>
               <a:ext uri="{FF2B5EF4-FFF2-40B4-BE49-F238E27FC236}">
-                <a16:creationId xmlns:a16="http://schemas.microsoft.com/office/drawing/2014/main" id="{1C8FC8C5-6F57-E52F-BD9C-218C033EF745}"/>
+                <a16:creationId xmlns:a16="http://schemas.microsoft.com/office/drawing/2014/main" id="{EC48B08C-7B19-5BF1-A450-7A08D870B6DB}"/>
               </a:ext>
             </a:extLst>
           </p:cNvPr>
@@ -894,7 +894,7 @@
           <p:cNvPr id="6" name="灯片编号占位符 5">
             <a:extLst>
               <a:ext uri="{FF2B5EF4-FFF2-40B4-BE49-F238E27FC236}">
-                <a16:creationId xmlns:a16="http://schemas.microsoft.com/office/drawing/2014/main" id="{D2CA95D9-6B69-9EE8-2858-897620782A85}"/>
+                <a16:creationId xmlns:a16="http://schemas.microsoft.com/office/drawing/2014/main" id="{ABBEEC4F-31FB-238B-0DE6-B7A34D457CC5}"/>
               </a:ext>
             </a:extLst>
           </p:cNvPr>
@@ -910,7 +910,7 @@
           <a:bodyPr/>
           <a:lstStyle/>
           <a:p>
-            <a:fld id="{49A398E1-5077-45FE-866E-5B9ED3F326DA}" type="slidenum">
+            <a:fld id="{2003D758-F1CD-4066-90B2-11AF169C9CB4}" type="slidenum">
               <a:rPr lang="zh-CN" altLang="en-US" smtClean="0"/>
               <a:t>‹#›</a:t>
             </a:fld>
@@ -921,7 +921,7 @@
     </p:spTree>
     <p:extLst>
       <p:ext uri="{BB962C8B-B14F-4D97-AF65-F5344CB8AC3E}">
-        <p14:creationId xmlns:p14="http://schemas.microsoft.com/office/powerpoint/2010/main" val="2406137889"/>
+        <p14:creationId xmlns:p14="http://schemas.microsoft.com/office/powerpoint/2010/main" val="4076535733"/>
       </p:ext>
     </p:extLst>
   </p:cSld>
@@ -953,7 +953,7 @@
           <p:cNvPr id="2" name="标题 1">
             <a:extLst>
               <a:ext uri="{FF2B5EF4-FFF2-40B4-BE49-F238E27FC236}">
-                <a16:creationId xmlns:a16="http://schemas.microsoft.com/office/drawing/2014/main" id="{634F2042-46CD-4366-1A8A-BAAC5AAC1B06}"/>
+                <a16:creationId xmlns:a16="http://schemas.microsoft.com/office/drawing/2014/main" id="{A2AC4D9B-3408-B59A-8CA8-96EF31CBD499}"/>
               </a:ext>
             </a:extLst>
           </p:cNvPr>
@@ -990,7 +990,7 @@
           <p:cNvPr id="3" name="文本占位符 2">
             <a:extLst>
               <a:ext uri="{FF2B5EF4-FFF2-40B4-BE49-F238E27FC236}">
-                <a16:creationId xmlns:a16="http://schemas.microsoft.com/office/drawing/2014/main" id="{2B26FCA3-216D-D58A-71B9-F45103D0C939}"/>
+                <a16:creationId xmlns:a16="http://schemas.microsoft.com/office/drawing/2014/main" id="{C5B9B9FF-2532-177C-4195-DB4B5144869D}"/>
               </a:ext>
             </a:extLst>
           </p:cNvPr>
@@ -1115,7 +1115,7 @@
           <p:cNvPr id="4" name="日期占位符 3">
             <a:extLst>
               <a:ext uri="{FF2B5EF4-FFF2-40B4-BE49-F238E27FC236}">
-                <a16:creationId xmlns:a16="http://schemas.microsoft.com/office/drawing/2014/main" id="{1C2086F0-A66B-8CBA-A51C-B97FEE670B81}"/>
+                <a16:creationId xmlns:a16="http://schemas.microsoft.com/office/drawing/2014/main" id="{B220AB69-2158-F203-1D98-C2849ED704A7}"/>
               </a:ext>
             </a:extLst>
           </p:cNvPr>
@@ -1131,7 +1131,7 @@
           <a:bodyPr/>
           <a:lstStyle/>
           <a:p>
-            <a:fld id="{D9684BA7-BCB3-4EE6-AAEE-FAB1951669C2}" type="datetimeFigureOut">
+            <a:fld id="{A0A25420-AA80-4824-92BB-0224204BB005}" type="datetimeFigureOut">
               <a:rPr lang="zh-CN" altLang="en-US" smtClean="0"/>
               <a:t>2024/3/10</a:t>
             </a:fld>
@@ -1144,7 +1144,7 @@
           <p:cNvPr id="5" name="页脚占位符 4">
             <a:extLst>
               <a:ext uri="{FF2B5EF4-FFF2-40B4-BE49-F238E27FC236}">
-                <a16:creationId xmlns:a16="http://schemas.microsoft.com/office/drawing/2014/main" id="{643817F9-31D9-9B57-C71D-229913F51DCF}"/>
+                <a16:creationId xmlns:a16="http://schemas.microsoft.com/office/drawing/2014/main" id="{9B1F8C13-457D-29D2-2FAA-230E2AC7A24D}"/>
               </a:ext>
             </a:extLst>
           </p:cNvPr>
@@ -1169,7 +1169,7 @@
           <p:cNvPr id="6" name="灯片编号占位符 5">
             <a:extLst>
               <a:ext uri="{FF2B5EF4-FFF2-40B4-BE49-F238E27FC236}">
-                <a16:creationId xmlns:a16="http://schemas.microsoft.com/office/drawing/2014/main" id="{B49B4AAE-4E93-68F5-F0F0-3662C5C215D5}"/>
+                <a16:creationId xmlns:a16="http://schemas.microsoft.com/office/drawing/2014/main" id="{70E2A32F-4360-B81F-7DDE-DC6CC184F6C1}"/>
               </a:ext>
             </a:extLst>
           </p:cNvPr>
@@ -1185,7 +1185,7 @@
           <a:bodyPr/>
           <a:lstStyle/>
           <a:p>
-            <a:fld id="{49A398E1-5077-45FE-866E-5B9ED3F326DA}" type="slidenum">
+            <a:fld id="{2003D758-F1CD-4066-90B2-11AF169C9CB4}" type="slidenum">
               <a:rPr lang="zh-CN" altLang="en-US" smtClean="0"/>
               <a:t>‹#›</a:t>
             </a:fld>
@@ -1196,7 +1196,7 @@
     </p:spTree>
     <p:extLst>
       <p:ext uri="{BB962C8B-B14F-4D97-AF65-F5344CB8AC3E}">
-        <p14:creationId xmlns:p14="http://schemas.microsoft.com/office/powerpoint/2010/main" val="1179740006"/>
+        <p14:creationId xmlns:p14="http://schemas.microsoft.com/office/powerpoint/2010/main" val="1471179143"/>
       </p:ext>
     </p:extLst>
   </p:cSld>
@@ -1228,7 +1228,7 @@
           <p:cNvPr id="2" name="标题 1">
             <a:extLst>
               <a:ext uri="{FF2B5EF4-FFF2-40B4-BE49-F238E27FC236}">
-                <a16:creationId xmlns:a16="http://schemas.microsoft.com/office/drawing/2014/main" id="{8B53213C-6101-A855-0254-76ADE6AC09CE}"/>
+                <a16:creationId xmlns:a16="http://schemas.microsoft.com/office/drawing/2014/main" id="{3DDBDD31-1E73-03D9-AA98-B32E7D20C45C}"/>
               </a:ext>
             </a:extLst>
           </p:cNvPr>
@@ -1256,7 +1256,7 @@
           <p:cNvPr id="3" name="内容占位符 2">
             <a:extLst>
               <a:ext uri="{FF2B5EF4-FFF2-40B4-BE49-F238E27FC236}">
-                <a16:creationId xmlns:a16="http://schemas.microsoft.com/office/drawing/2014/main" id="{CFE0BF61-30BD-73BB-89ED-6B90C9026804}"/>
+                <a16:creationId xmlns:a16="http://schemas.microsoft.com/office/drawing/2014/main" id="{35D4447E-C247-682D-B420-AA305EE7CC6F}"/>
               </a:ext>
             </a:extLst>
           </p:cNvPr>
@@ -1318,7 +1318,7 @@
           <p:cNvPr id="4" name="内容占位符 3">
             <a:extLst>
               <a:ext uri="{FF2B5EF4-FFF2-40B4-BE49-F238E27FC236}">
-                <a16:creationId xmlns:a16="http://schemas.microsoft.com/office/drawing/2014/main" id="{9B61F979-3634-736F-4B56-58E3C7FE6911}"/>
+                <a16:creationId xmlns:a16="http://schemas.microsoft.com/office/drawing/2014/main" id="{08784E8D-245A-0581-977C-2034CEC8F420}"/>
               </a:ext>
             </a:extLst>
           </p:cNvPr>
@@ -1380,7 +1380,7 @@
           <p:cNvPr id="5" name="日期占位符 4">
             <a:extLst>
               <a:ext uri="{FF2B5EF4-FFF2-40B4-BE49-F238E27FC236}">
-                <a16:creationId xmlns:a16="http://schemas.microsoft.com/office/drawing/2014/main" id="{FCD0A355-C13C-C42B-2407-7EB8FC458BA2}"/>
+                <a16:creationId xmlns:a16="http://schemas.microsoft.com/office/drawing/2014/main" id="{2199D53D-62E7-AB79-69B1-4C30E0FA31E6}"/>
               </a:ext>
             </a:extLst>
           </p:cNvPr>
@@ -1396,7 +1396,7 @@
           <a:bodyPr/>
           <a:lstStyle/>
           <a:p>
-            <a:fld id="{D9684BA7-BCB3-4EE6-AAEE-FAB1951669C2}" type="datetimeFigureOut">
+            <a:fld id="{A0A25420-AA80-4824-92BB-0224204BB005}" type="datetimeFigureOut">
               <a:rPr lang="zh-CN" altLang="en-US" smtClean="0"/>
               <a:t>2024/3/10</a:t>
             </a:fld>
@@ -1409,7 +1409,7 @@
           <p:cNvPr id="6" name="页脚占位符 5">
             <a:extLst>
               <a:ext uri="{FF2B5EF4-FFF2-40B4-BE49-F238E27FC236}">
-                <a16:creationId xmlns:a16="http://schemas.microsoft.com/office/drawing/2014/main" id="{34209B9A-BEAF-39EA-0BA3-F88E17C8E8ED}"/>
+                <a16:creationId xmlns:a16="http://schemas.microsoft.com/office/drawing/2014/main" id="{3FD51ED4-FC0A-F24E-CB54-4BB528D991EC}"/>
               </a:ext>
             </a:extLst>
           </p:cNvPr>
@@ -1434,7 +1434,7 @@
           <p:cNvPr id="7" name="灯片编号占位符 6">
             <a:extLst>
               <a:ext uri="{FF2B5EF4-FFF2-40B4-BE49-F238E27FC236}">
-                <a16:creationId xmlns:a16="http://schemas.microsoft.com/office/drawing/2014/main" id="{4011D49A-7998-8BBA-EE49-6B089068B7C7}"/>
+                <a16:creationId xmlns:a16="http://schemas.microsoft.com/office/drawing/2014/main" id="{9BACAC7E-BD82-2FC0-C0BC-C90AD7E0EEC5}"/>
               </a:ext>
             </a:extLst>
           </p:cNvPr>
@@ -1450,7 +1450,7 @@
           <a:bodyPr/>
           <a:lstStyle/>
           <a:p>
-            <a:fld id="{49A398E1-5077-45FE-866E-5B9ED3F326DA}" type="slidenum">
+            <a:fld id="{2003D758-F1CD-4066-90B2-11AF169C9CB4}" type="slidenum">
               <a:rPr lang="zh-CN" altLang="en-US" smtClean="0"/>
               <a:t>‹#›</a:t>
             </a:fld>
@@ -1461,7 +1461,7 @@
     </p:spTree>
     <p:extLst>
       <p:ext uri="{BB962C8B-B14F-4D97-AF65-F5344CB8AC3E}">
-        <p14:creationId xmlns:p14="http://schemas.microsoft.com/office/powerpoint/2010/main" val="743841526"/>
+        <p14:creationId xmlns:p14="http://schemas.microsoft.com/office/powerpoint/2010/main" val="2646133986"/>
       </p:ext>
     </p:extLst>
   </p:cSld>
@@ -1493,7 +1493,7 @@
           <p:cNvPr id="2" name="标题 1">
             <a:extLst>
               <a:ext uri="{FF2B5EF4-FFF2-40B4-BE49-F238E27FC236}">
-                <a16:creationId xmlns:a16="http://schemas.microsoft.com/office/drawing/2014/main" id="{ABB5E708-D49D-5EAC-242C-0843B03BEE9B}"/>
+                <a16:creationId xmlns:a16="http://schemas.microsoft.com/office/drawing/2014/main" id="{AACF676C-EA82-EA1A-29C4-BB52F6AEDFFF}"/>
               </a:ext>
             </a:extLst>
           </p:cNvPr>
@@ -1526,7 +1526,7 @@
           <p:cNvPr id="3" name="文本占位符 2">
             <a:extLst>
               <a:ext uri="{FF2B5EF4-FFF2-40B4-BE49-F238E27FC236}">
-                <a16:creationId xmlns:a16="http://schemas.microsoft.com/office/drawing/2014/main" id="{716EAF34-3B58-9DC5-7D43-11D390CB67EC}"/>
+                <a16:creationId xmlns:a16="http://schemas.microsoft.com/office/drawing/2014/main" id="{3CEDB466-4667-AF22-4CD3-B342E7C72615}"/>
               </a:ext>
             </a:extLst>
           </p:cNvPr>
@@ -1597,7 +1597,7 @@
           <p:cNvPr id="4" name="内容占位符 3">
             <a:extLst>
               <a:ext uri="{FF2B5EF4-FFF2-40B4-BE49-F238E27FC236}">
-                <a16:creationId xmlns:a16="http://schemas.microsoft.com/office/drawing/2014/main" id="{168E174D-9169-A4DF-9D28-C5613DB639A7}"/>
+                <a16:creationId xmlns:a16="http://schemas.microsoft.com/office/drawing/2014/main" id="{354CC414-8AB4-A27D-8155-5E8820CF1265}"/>
               </a:ext>
             </a:extLst>
           </p:cNvPr>
@@ -1659,7 +1659,7 @@
           <p:cNvPr id="5" name="文本占位符 4">
             <a:extLst>
               <a:ext uri="{FF2B5EF4-FFF2-40B4-BE49-F238E27FC236}">
-                <a16:creationId xmlns:a16="http://schemas.microsoft.com/office/drawing/2014/main" id="{C3BA5832-8492-205A-B1F2-886733465B14}"/>
+                <a16:creationId xmlns:a16="http://schemas.microsoft.com/office/drawing/2014/main" id="{5C5F9281-4871-4EFD-5373-7855A1BC80C1}"/>
               </a:ext>
             </a:extLst>
           </p:cNvPr>
@@ -1730,7 +1730,7 @@
           <p:cNvPr id="6" name="内容占位符 5">
             <a:extLst>
               <a:ext uri="{FF2B5EF4-FFF2-40B4-BE49-F238E27FC236}">
-                <a16:creationId xmlns:a16="http://schemas.microsoft.com/office/drawing/2014/main" id="{A43EA4F6-C203-CBCE-B3A0-D0A870D67BBC}"/>
+                <a16:creationId xmlns:a16="http://schemas.microsoft.com/office/drawing/2014/main" id="{FED9EE83-DC1D-5EED-271C-DE2C92EB4A7B}"/>
               </a:ext>
             </a:extLst>
           </p:cNvPr>
@@ -1792,7 +1792,7 @@
           <p:cNvPr id="7" name="日期占位符 6">
             <a:extLst>
               <a:ext uri="{FF2B5EF4-FFF2-40B4-BE49-F238E27FC236}">
-                <a16:creationId xmlns:a16="http://schemas.microsoft.com/office/drawing/2014/main" id="{9E7061D9-2C16-C5A7-861B-4F19D838A002}"/>
+                <a16:creationId xmlns:a16="http://schemas.microsoft.com/office/drawing/2014/main" id="{C3BC3DDA-6565-0CB3-0B66-E9AED7CC4923}"/>
               </a:ext>
             </a:extLst>
           </p:cNvPr>
@@ -1808,7 +1808,7 @@
           <a:bodyPr/>
           <a:lstStyle/>
           <a:p>
-            <a:fld id="{D9684BA7-BCB3-4EE6-AAEE-FAB1951669C2}" type="datetimeFigureOut">
+            <a:fld id="{A0A25420-AA80-4824-92BB-0224204BB005}" type="datetimeFigureOut">
               <a:rPr lang="zh-CN" altLang="en-US" smtClean="0"/>
               <a:t>2024/3/10</a:t>
             </a:fld>
@@ -1821,7 +1821,7 @@
           <p:cNvPr id="8" name="页脚占位符 7">
             <a:extLst>
               <a:ext uri="{FF2B5EF4-FFF2-40B4-BE49-F238E27FC236}">
-                <a16:creationId xmlns:a16="http://schemas.microsoft.com/office/drawing/2014/main" id="{7B8A5B52-528E-2006-E2B7-D8CD5A9CFDB5}"/>
+                <a16:creationId xmlns:a16="http://schemas.microsoft.com/office/drawing/2014/main" id="{CAB762B6-89D9-F9EC-3A5A-DD25D7EE34E1}"/>
               </a:ext>
             </a:extLst>
           </p:cNvPr>
@@ -1846,7 +1846,7 @@
           <p:cNvPr id="9" name="灯片编号占位符 8">
             <a:extLst>
               <a:ext uri="{FF2B5EF4-FFF2-40B4-BE49-F238E27FC236}">
-                <a16:creationId xmlns:a16="http://schemas.microsoft.com/office/drawing/2014/main" id="{91290185-5373-C1DD-D907-30B5A4ADFE9F}"/>
+                <a16:creationId xmlns:a16="http://schemas.microsoft.com/office/drawing/2014/main" id="{AD4C6930-026F-0432-21B3-45ADDC2FE1DC}"/>
               </a:ext>
             </a:extLst>
           </p:cNvPr>
@@ -1862,7 +1862,7 @@
           <a:bodyPr/>
           <a:lstStyle/>
           <a:p>
-            <a:fld id="{49A398E1-5077-45FE-866E-5B9ED3F326DA}" type="slidenum">
+            <a:fld id="{2003D758-F1CD-4066-90B2-11AF169C9CB4}" type="slidenum">
               <a:rPr lang="zh-CN" altLang="en-US" smtClean="0"/>
               <a:t>‹#›</a:t>
             </a:fld>
@@ -1873,7 +1873,7 @@
     </p:spTree>
     <p:extLst>
       <p:ext uri="{BB962C8B-B14F-4D97-AF65-F5344CB8AC3E}">
-        <p14:creationId xmlns:p14="http://schemas.microsoft.com/office/powerpoint/2010/main" val="435259331"/>
+        <p14:creationId xmlns:p14="http://schemas.microsoft.com/office/powerpoint/2010/main" val="3042849834"/>
       </p:ext>
     </p:extLst>
   </p:cSld>
@@ -1905,7 +1905,7 @@
           <p:cNvPr id="2" name="标题 1">
             <a:extLst>
               <a:ext uri="{FF2B5EF4-FFF2-40B4-BE49-F238E27FC236}">
-                <a16:creationId xmlns:a16="http://schemas.microsoft.com/office/drawing/2014/main" id="{6EAD8CE0-C2D3-0FB0-FB9D-CA83589774D7}"/>
+                <a16:creationId xmlns:a16="http://schemas.microsoft.com/office/drawing/2014/main" id="{9826CC7A-5F75-C1A0-B708-A6D6F81058A7}"/>
               </a:ext>
             </a:extLst>
           </p:cNvPr>
@@ -1933,7 +1933,7 @@
           <p:cNvPr id="3" name="日期占位符 2">
             <a:extLst>
               <a:ext uri="{FF2B5EF4-FFF2-40B4-BE49-F238E27FC236}">
-                <a16:creationId xmlns:a16="http://schemas.microsoft.com/office/drawing/2014/main" id="{A90CA4CA-666B-D469-0EC9-5E30823FC370}"/>
+                <a16:creationId xmlns:a16="http://schemas.microsoft.com/office/drawing/2014/main" id="{DB53E4FA-30B9-E8E8-1F4B-2064B16C4F6D}"/>
               </a:ext>
             </a:extLst>
           </p:cNvPr>
@@ -1949,7 +1949,7 @@
           <a:bodyPr/>
           <a:lstStyle/>
           <a:p>
-            <a:fld id="{D9684BA7-BCB3-4EE6-AAEE-FAB1951669C2}" type="datetimeFigureOut">
+            <a:fld id="{A0A25420-AA80-4824-92BB-0224204BB005}" type="datetimeFigureOut">
               <a:rPr lang="zh-CN" altLang="en-US" smtClean="0"/>
               <a:t>2024/3/10</a:t>
             </a:fld>
@@ -1962,7 +1962,7 @@
           <p:cNvPr id="4" name="页脚占位符 3">
             <a:extLst>
               <a:ext uri="{FF2B5EF4-FFF2-40B4-BE49-F238E27FC236}">
-                <a16:creationId xmlns:a16="http://schemas.microsoft.com/office/drawing/2014/main" id="{AB3DF815-3618-0F5C-CDAA-63BBC6775D10}"/>
+                <a16:creationId xmlns:a16="http://schemas.microsoft.com/office/drawing/2014/main" id="{E91B8AFB-5AFF-EBA6-80A3-027B7E2B7444}"/>
               </a:ext>
             </a:extLst>
           </p:cNvPr>
@@ -1987,7 +1987,7 @@
           <p:cNvPr id="5" name="灯片编号占位符 4">
             <a:extLst>
               <a:ext uri="{FF2B5EF4-FFF2-40B4-BE49-F238E27FC236}">
-                <a16:creationId xmlns:a16="http://schemas.microsoft.com/office/drawing/2014/main" id="{5D3AE007-F6D8-857A-4350-19A20692B564}"/>
+                <a16:creationId xmlns:a16="http://schemas.microsoft.com/office/drawing/2014/main" id="{85CDE046-11D6-9F74-E991-AB3F77B0D14F}"/>
               </a:ext>
             </a:extLst>
           </p:cNvPr>
@@ -2003,7 +2003,7 @@
           <a:bodyPr/>
           <a:lstStyle/>
           <a:p>
-            <a:fld id="{49A398E1-5077-45FE-866E-5B9ED3F326DA}" type="slidenum">
+            <a:fld id="{2003D758-F1CD-4066-90B2-11AF169C9CB4}" type="slidenum">
               <a:rPr lang="zh-CN" altLang="en-US" smtClean="0"/>
               <a:t>‹#›</a:t>
             </a:fld>
@@ -2014,7 +2014,7 @@
     </p:spTree>
     <p:extLst>
       <p:ext uri="{BB962C8B-B14F-4D97-AF65-F5344CB8AC3E}">
-        <p14:creationId xmlns:p14="http://schemas.microsoft.com/office/powerpoint/2010/main" val="4112219361"/>
+        <p14:creationId xmlns:p14="http://schemas.microsoft.com/office/powerpoint/2010/main" val="57606888"/>
       </p:ext>
     </p:extLst>
   </p:cSld>
@@ -2046,7 +2046,7 @@
           <p:cNvPr id="2" name="日期占位符 1">
             <a:extLst>
               <a:ext uri="{FF2B5EF4-FFF2-40B4-BE49-F238E27FC236}">
-                <a16:creationId xmlns:a16="http://schemas.microsoft.com/office/drawing/2014/main" id="{DBA6A836-E7DF-9BB1-13D4-E56F606470A9}"/>
+                <a16:creationId xmlns:a16="http://schemas.microsoft.com/office/drawing/2014/main" id="{4E8C37FE-D15C-7B23-6D8A-0D5F28192ABC}"/>
               </a:ext>
             </a:extLst>
           </p:cNvPr>
@@ -2062,7 +2062,7 @@
           <a:bodyPr/>
           <a:lstStyle/>
           <a:p>
-            <a:fld id="{D9684BA7-BCB3-4EE6-AAEE-FAB1951669C2}" type="datetimeFigureOut">
+            <a:fld id="{A0A25420-AA80-4824-92BB-0224204BB005}" type="datetimeFigureOut">
               <a:rPr lang="zh-CN" altLang="en-US" smtClean="0"/>
               <a:t>2024/3/10</a:t>
             </a:fld>
@@ -2075,7 +2075,7 @@
           <p:cNvPr id="3" name="页脚占位符 2">
             <a:extLst>
               <a:ext uri="{FF2B5EF4-FFF2-40B4-BE49-F238E27FC236}">
-                <a16:creationId xmlns:a16="http://schemas.microsoft.com/office/drawing/2014/main" id="{6AD2B0E2-1688-3E9E-9DBB-01AFCFF161E5}"/>
+                <a16:creationId xmlns:a16="http://schemas.microsoft.com/office/drawing/2014/main" id="{F28B3B43-D348-3701-1CE1-380789C5A07D}"/>
               </a:ext>
             </a:extLst>
           </p:cNvPr>
@@ -2100,7 +2100,7 @@
           <p:cNvPr id="4" name="灯片编号占位符 3">
             <a:extLst>
               <a:ext uri="{FF2B5EF4-FFF2-40B4-BE49-F238E27FC236}">
-                <a16:creationId xmlns:a16="http://schemas.microsoft.com/office/drawing/2014/main" id="{27532835-7A8F-AAFB-F692-DE5AEB5D5F09}"/>
+                <a16:creationId xmlns:a16="http://schemas.microsoft.com/office/drawing/2014/main" id="{FAFB1B8D-81EB-9A04-2FAF-CE4D8CCC62F9}"/>
               </a:ext>
             </a:extLst>
           </p:cNvPr>
@@ -2116,7 +2116,7 @@
           <a:bodyPr/>
           <a:lstStyle/>
           <a:p>
-            <a:fld id="{49A398E1-5077-45FE-866E-5B9ED3F326DA}" type="slidenum">
+            <a:fld id="{2003D758-F1CD-4066-90B2-11AF169C9CB4}" type="slidenum">
               <a:rPr lang="zh-CN" altLang="en-US" smtClean="0"/>
               <a:t>‹#›</a:t>
             </a:fld>
@@ -2127,7 +2127,7 @@
     </p:spTree>
     <p:extLst>
       <p:ext uri="{BB962C8B-B14F-4D97-AF65-F5344CB8AC3E}">
-        <p14:creationId xmlns:p14="http://schemas.microsoft.com/office/powerpoint/2010/main" val="1494940378"/>
+        <p14:creationId xmlns:p14="http://schemas.microsoft.com/office/powerpoint/2010/main" val="838777020"/>
       </p:ext>
     </p:extLst>
   </p:cSld>
@@ -2159,7 +2159,7 @@
           <p:cNvPr id="2" name="标题 1">
             <a:extLst>
               <a:ext uri="{FF2B5EF4-FFF2-40B4-BE49-F238E27FC236}">
-                <a16:creationId xmlns:a16="http://schemas.microsoft.com/office/drawing/2014/main" id="{DB6C8FCC-CC20-21DC-F714-68096A27CD66}"/>
+                <a16:creationId xmlns:a16="http://schemas.microsoft.com/office/drawing/2014/main" id="{7014776E-1363-6E48-0B76-6D3D8B5FAA53}"/>
               </a:ext>
             </a:extLst>
           </p:cNvPr>
@@ -2196,7 +2196,7 @@
           <p:cNvPr id="3" name="内容占位符 2">
             <a:extLst>
               <a:ext uri="{FF2B5EF4-FFF2-40B4-BE49-F238E27FC236}">
-                <a16:creationId xmlns:a16="http://schemas.microsoft.com/office/drawing/2014/main" id="{79935DCA-22D0-7ED4-3F7A-7090AF27A3D1}"/>
+                <a16:creationId xmlns:a16="http://schemas.microsoft.com/office/drawing/2014/main" id="{2ECC669E-C9F5-B985-409B-79BCD0249361}"/>
               </a:ext>
             </a:extLst>
           </p:cNvPr>
@@ -2286,7 +2286,7 @@
           <p:cNvPr id="4" name="文本占位符 3">
             <a:extLst>
               <a:ext uri="{FF2B5EF4-FFF2-40B4-BE49-F238E27FC236}">
-                <a16:creationId xmlns:a16="http://schemas.microsoft.com/office/drawing/2014/main" id="{44AB9456-2C71-7786-A89B-D1406E131545}"/>
+                <a16:creationId xmlns:a16="http://schemas.microsoft.com/office/drawing/2014/main" id="{9319D012-1A53-E02A-B4B9-4B88C69C8C14}"/>
               </a:ext>
             </a:extLst>
           </p:cNvPr>
@@ -2357,7 +2357,7 @@
           <p:cNvPr id="5" name="日期占位符 4">
             <a:extLst>
               <a:ext uri="{FF2B5EF4-FFF2-40B4-BE49-F238E27FC236}">
-                <a16:creationId xmlns:a16="http://schemas.microsoft.com/office/drawing/2014/main" id="{09DD9AC5-8C66-3EDD-45A9-7766DC147E56}"/>
+                <a16:creationId xmlns:a16="http://schemas.microsoft.com/office/drawing/2014/main" id="{51AA1BE8-A619-D466-D650-DF1F5C309C43}"/>
               </a:ext>
             </a:extLst>
           </p:cNvPr>
@@ -2373,7 +2373,7 @@
           <a:bodyPr/>
           <a:lstStyle/>
           <a:p>
-            <a:fld id="{D9684BA7-BCB3-4EE6-AAEE-FAB1951669C2}" type="datetimeFigureOut">
+            <a:fld id="{A0A25420-AA80-4824-92BB-0224204BB005}" type="datetimeFigureOut">
               <a:rPr lang="zh-CN" altLang="en-US" smtClean="0"/>
               <a:t>2024/3/10</a:t>
             </a:fld>
@@ -2386,7 +2386,7 @@
           <p:cNvPr id="6" name="页脚占位符 5">
             <a:extLst>
               <a:ext uri="{FF2B5EF4-FFF2-40B4-BE49-F238E27FC236}">
-                <a16:creationId xmlns:a16="http://schemas.microsoft.com/office/drawing/2014/main" id="{15AB3661-A5BE-C97F-AD9A-6C3D25245B4A}"/>
+                <a16:creationId xmlns:a16="http://schemas.microsoft.com/office/drawing/2014/main" id="{8883F094-2E01-C54C-AEC9-1B75930EEA4C}"/>
               </a:ext>
             </a:extLst>
           </p:cNvPr>
@@ -2411,7 +2411,7 @@
           <p:cNvPr id="7" name="灯片编号占位符 6">
             <a:extLst>
               <a:ext uri="{FF2B5EF4-FFF2-40B4-BE49-F238E27FC236}">
-                <a16:creationId xmlns:a16="http://schemas.microsoft.com/office/drawing/2014/main" id="{5E3D3884-CAC4-2AD5-ABF7-6CB666E86A3E}"/>
+                <a16:creationId xmlns:a16="http://schemas.microsoft.com/office/drawing/2014/main" id="{042B07D1-ECBC-7E91-6AA5-8AA7375231FA}"/>
               </a:ext>
             </a:extLst>
           </p:cNvPr>
@@ -2427,7 +2427,7 @@
           <a:bodyPr/>
           <a:lstStyle/>
           <a:p>
-            <a:fld id="{49A398E1-5077-45FE-866E-5B9ED3F326DA}" type="slidenum">
+            <a:fld id="{2003D758-F1CD-4066-90B2-11AF169C9CB4}" type="slidenum">
               <a:rPr lang="zh-CN" altLang="en-US" smtClean="0"/>
               <a:t>‹#›</a:t>
             </a:fld>
@@ -2438,7 +2438,7 @@
     </p:spTree>
     <p:extLst>
       <p:ext uri="{BB962C8B-B14F-4D97-AF65-F5344CB8AC3E}">
-        <p14:creationId xmlns:p14="http://schemas.microsoft.com/office/powerpoint/2010/main" val="1680805374"/>
+        <p14:creationId xmlns:p14="http://schemas.microsoft.com/office/powerpoint/2010/main" val="1766004453"/>
       </p:ext>
     </p:extLst>
   </p:cSld>
@@ -2470,7 +2470,7 @@
           <p:cNvPr id="2" name="标题 1">
             <a:extLst>
               <a:ext uri="{FF2B5EF4-FFF2-40B4-BE49-F238E27FC236}">
-                <a16:creationId xmlns:a16="http://schemas.microsoft.com/office/drawing/2014/main" id="{852F5A47-5A00-3CEC-25C7-8CC61763792E}"/>
+                <a16:creationId xmlns:a16="http://schemas.microsoft.com/office/drawing/2014/main" id="{3734007D-B4BE-A756-8A3D-1485976E54E2}"/>
               </a:ext>
             </a:extLst>
           </p:cNvPr>
@@ -2507,7 +2507,7 @@
           <p:cNvPr id="3" name="图片占位符 2">
             <a:extLst>
               <a:ext uri="{FF2B5EF4-FFF2-40B4-BE49-F238E27FC236}">
-                <a16:creationId xmlns:a16="http://schemas.microsoft.com/office/drawing/2014/main" id="{60B65BC3-D2A4-7890-8828-024808681FC4}"/>
+                <a16:creationId xmlns:a16="http://schemas.microsoft.com/office/drawing/2014/main" id="{B6FC3E2E-79AD-76D5-369A-58084E9CA848}"/>
               </a:ext>
             </a:extLst>
           </p:cNvPr>
@@ -2574,7 +2574,7 @@
           <p:cNvPr id="4" name="文本占位符 3">
             <a:extLst>
               <a:ext uri="{FF2B5EF4-FFF2-40B4-BE49-F238E27FC236}">
-                <a16:creationId xmlns:a16="http://schemas.microsoft.com/office/drawing/2014/main" id="{24CEFCD3-41A3-6244-7BAB-72C75D306B72}"/>
+                <a16:creationId xmlns:a16="http://schemas.microsoft.com/office/drawing/2014/main" id="{2131E64B-BF0D-A03E-1F23-EE1E286EE0A1}"/>
               </a:ext>
             </a:extLst>
           </p:cNvPr>
@@ -2645,7 +2645,7 @@
           <p:cNvPr id="5" name="日期占位符 4">
             <a:extLst>
               <a:ext uri="{FF2B5EF4-FFF2-40B4-BE49-F238E27FC236}">
-                <a16:creationId xmlns:a16="http://schemas.microsoft.com/office/drawing/2014/main" id="{D6EB49FD-9CA4-51D2-F599-35EA8543DBC1}"/>
+                <a16:creationId xmlns:a16="http://schemas.microsoft.com/office/drawing/2014/main" id="{A286ED62-1714-75CF-A9B9-94C95EA2DCA9}"/>
               </a:ext>
             </a:extLst>
           </p:cNvPr>
@@ -2661,7 +2661,7 @@
           <a:bodyPr/>
           <a:lstStyle/>
           <a:p>
-            <a:fld id="{D9684BA7-BCB3-4EE6-AAEE-FAB1951669C2}" type="datetimeFigureOut">
+            <a:fld id="{A0A25420-AA80-4824-92BB-0224204BB005}" type="datetimeFigureOut">
               <a:rPr lang="zh-CN" altLang="en-US" smtClean="0"/>
               <a:t>2024/3/10</a:t>
             </a:fld>
@@ -2674,7 +2674,7 @@
           <p:cNvPr id="6" name="页脚占位符 5">
             <a:extLst>
               <a:ext uri="{FF2B5EF4-FFF2-40B4-BE49-F238E27FC236}">
-                <a16:creationId xmlns:a16="http://schemas.microsoft.com/office/drawing/2014/main" id="{C59DEE6D-A5C0-CC7F-5282-2460A10DF820}"/>
+                <a16:creationId xmlns:a16="http://schemas.microsoft.com/office/drawing/2014/main" id="{E04BEB11-F061-5586-C589-4FAB20620D9E}"/>
               </a:ext>
             </a:extLst>
           </p:cNvPr>
@@ -2699,7 +2699,7 @@
           <p:cNvPr id="7" name="灯片编号占位符 6">
             <a:extLst>
               <a:ext uri="{FF2B5EF4-FFF2-40B4-BE49-F238E27FC236}">
-                <a16:creationId xmlns:a16="http://schemas.microsoft.com/office/drawing/2014/main" id="{7C32E4D6-2E4C-DB57-BCFB-60AA93B646B9}"/>
+                <a16:creationId xmlns:a16="http://schemas.microsoft.com/office/drawing/2014/main" id="{7160E8E0-B9A7-22D0-1D46-A35B2C3D5BC7}"/>
               </a:ext>
             </a:extLst>
           </p:cNvPr>
@@ -2715,7 +2715,7 @@
           <a:bodyPr/>
           <a:lstStyle/>
           <a:p>
-            <a:fld id="{49A398E1-5077-45FE-866E-5B9ED3F326DA}" type="slidenum">
+            <a:fld id="{2003D758-F1CD-4066-90B2-11AF169C9CB4}" type="slidenum">
               <a:rPr lang="zh-CN" altLang="en-US" smtClean="0"/>
               <a:t>‹#›</a:t>
             </a:fld>
@@ -2726,7 +2726,7 @@
     </p:spTree>
     <p:extLst>
       <p:ext uri="{BB962C8B-B14F-4D97-AF65-F5344CB8AC3E}">
-        <p14:creationId xmlns:p14="http://schemas.microsoft.com/office/powerpoint/2010/main" val="3035689448"/>
+        <p14:creationId xmlns:p14="http://schemas.microsoft.com/office/powerpoint/2010/main" val="3141603719"/>
       </p:ext>
     </p:extLst>
   </p:cSld>
@@ -2763,7 +2763,7 @@
           <p:cNvPr id="2" name="标题占位符 1">
             <a:extLst>
               <a:ext uri="{FF2B5EF4-FFF2-40B4-BE49-F238E27FC236}">
-                <a16:creationId xmlns:a16="http://schemas.microsoft.com/office/drawing/2014/main" id="{BEDBC135-424F-8C9A-4E54-AE5F04B522D4}"/>
+                <a16:creationId xmlns:a16="http://schemas.microsoft.com/office/drawing/2014/main" id="{B711BB50-00B3-BD4E-4E6D-A64009BCD340}"/>
               </a:ext>
             </a:extLst>
           </p:cNvPr>
@@ -2801,7 +2801,7 @@
           <p:cNvPr id="3" name="文本占位符 2">
             <a:extLst>
               <a:ext uri="{FF2B5EF4-FFF2-40B4-BE49-F238E27FC236}">
-                <a16:creationId xmlns:a16="http://schemas.microsoft.com/office/drawing/2014/main" id="{B54428AD-A9B1-71E0-F2C3-5F2CAF00BE9E}"/>
+                <a16:creationId xmlns:a16="http://schemas.microsoft.com/office/drawing/2014/main" id="{0A3A4F58-1DAB-DAB2-0D6D-2E75F94F513E}"/>
               </a:ext>
             </a:extLst>
           </p:cNvPr>
@@ -2868,7 +2868,7 @@
           <p:cNvPr id="4" name="日期占位符 3">
             <a:extLst>
               <a:ext uri="{FF2B5EF4-FFF2-40B4-BE49-F238E27FC236}">
-                <a16:creationId xmlns:a16="http://schemas.microsoft.com/office/drawing/2014/main" id="{1FAF35AE-3441-5598-8148-AD62D271E3AF}"/>
+                <a16:creationId xmlns:a16="http://schemas.microsoft.com/office/drawing/2014/main" id="{88862EA3-159B-D73D-9166-B806F900F615}"/>
               </a:ext>
             </a:extLst>
           </p:cNvPr>
@@ -2902,7 +2902,7 @@
             </a:lvl1pPr>
           </a:lstStyle>
           <a:p>
-            <a:fld id="{D9684BA7-BCB3-4EE6-AAEE-FAB1951669C2}" type="datetimeFigureOut">
+            <a:fld id="{A0A25420-AA80-4824-92BB-0224204BB005}" type="datetimeFigureOut">
               <a:rPr lang="zh-CN" altLang="en-US" smtClean="0"/>
               <a:t>2024/3/10</a:t>
             </a:fld>
@@ -2915,7 +2915,7 @@
           <p:cNvPr id="5" name="页脚占位符 4">
             <a:extLst>
               <a:ext uri="{FF2B5EF4-FFF2-40B4-BE49-F238E27FC236}">
-                <a16:creationId xmlns:a16="http://schemas.microsoft.com/office/drawing/2014/main" id="{FB5BAB08-9AC2-E4CC-D871-BA4EB769806C}"/>
+                <a16:creationId xmlns:a16="http://schemas.microsoft.com/office/drawing/2014/main" id="{FB59DF04-2198-22FC-21CC-EB9B1301FAA6}"/>
               </a:ext>
             </a:extLst>
           </p:cNvPr>
@@ -2958,7 +2958,7 @@
           <p:cNvPr id="6" name="灯片编号占位符 5">
             <a:extLst>
               <a:ext uri="{FF2B5EF4-FFF2-40B4-BE49-F238E27FC236}">
-                <a16:creationId xmlns:a16="http://schemas.microsoft.com/office/drawing/2014/main" id="{C6713345-ED7B-A076-7AC4-B3FC29C26D3A}"/>
+                <a16:creationId xmlns:a16="http://schemas.microsoft.com/office/drawing/2014/main" id="{157D8C7B-AB05-5789-85CE-B8170ED979FF}"/>
               </a:ext>
             </a:extLst>
           </p:cNvPr>
@@ -2992,7 +2992,7 @@
             </a:lvl1pPr>
           </a:lstStyle>
           <a:p>
-            <a:fld id="{49A398E1-5077-45FE-866E-5B9ED3F326DA}" type="slidenum">
+            <a:fld id="{2003D758-F1CD-4066-90B2-11AF169C9CB4}" type="slidenum">
               <a:rPr lang="zh-CN" altLang="en-US" smtClean="0"/>
               <a:t>‹#›</a:t>
             </a:fld>
@@ -3003,7 +3003,7 @@
     </p:spTree>
     <p:extLst>
       <p:ext uri="{BB962C8B-B14F-4D97-AF65-F5344CB8AC3E}">
-        <p14:creationId xmlns:p14="http://schemas.microsoft.com/office/powerpoint/2010/main" val="2499297651"/>
+        <p14:creationId xmlns:p14="http://schemas.microsoft.com/office/powerpoint/2010/main" val="2084353459"/>
       </p:ext>
     </p:extLst>
   </p:cSld>
